--- a/GuestConfigviaDSCApplyandSet.pptx
+++ b/GuestConfigviaDSCApplyandSet.pptx
@@ -123,7 +123,7 @@
     <p1510:client id="{BF0314E7-08DB-48B4-4BDE-576F9F968904}" v="20" dt="2022-02-15T02:17:46.507"/>
     <p1510:client id="{CC01899C-068F-483C-8E64-750754EB3353}" v="248" dt="2022-02-09T18:59:41.611"/>
     <p1510:client id="{DC0405C5-E335-AE80-E5DD-3493A8AC08DF}" v="136" dt="2022-02-11T18:55:44.188"/>
-    <p1510:client id="{DCF26D4D-974B-7BE1-E5DB-B50E34D61C0B}" v="42" dt="2022-09-21T00:01:23.932"/>
+    <p1510:client id="{DCF26D4D-974B-7BE1-E5DB-B50E34D61C0B}" v="47" dt="2022-09-21T00:10:10.179"/>
     <p1510:client id="{F034E24B-A093-1C86-6879-D6B61B31CCC9}" v="17" dt="2022-09-20T23:55:50.810"/>
   </p1510:revLst>
 </p1510:revInfo>
@@ -3188,7 +3188,7 @@
           </a:fontRef>
         </p:style>
         <p:txBody>
-          <a:bodyPr rtlCol="0" anchor="ctr"/>
+          <a:bodyPr lIns="91440" tIns="45720" rIns="91440" bIns="45720" rtlCol="0" anchor="ctr"/>
           <a:lstStyle/>
           <a:p>
             <a:pPr algn="ctr"/>
@@ -3196,7 +3196,19 @@
               <a:rPr lang="en-US" dirty="0">
                 <a:cs typeface="Calibri"/>
               </a:rPr>
-              <a:t>Build Authoring VM | Author DSC CheckForService.ps1</a:t>
+              <a:t>Build Authoring VM | Author DSC </a:t>
+            </a:r>
+            <a:r>
+              <a:rPr lang="en-US" dirty="0" err="1">
+                <a:cs typeface="Calibri"/>
+              </a:rPr>
+              <a:t>CheckForService</a:t>
+            </a:r>
+            <a:r>
+              <a:rPr lang="en-US" dirty="0">
+                <a:cs typeface="Calibri"/>
+              </a:rPr>
+              <a:t> – Set WDAV Passive</a:t>
             </a:r>
             <a:endParaRPr lang="en-US" dirty="0"/>
           </a:p>

--- a/GuestConfigviaDSCApplyandSet.pptx
+++ b/GuestConfigviaDSCApplyandSet.pptx
@@ -5,12 +5,11 @@
     <p:sldMasterId id="2147483660" r:id="rId1"/>
   </p:sldMasterIdLst>
   <p:sldIdLst>
-    <p:sldId id="256" r:id="rId2"/>
-    <p:sldId id="258" r:id="rId3"/>
-    <p:sldId id="257" r:id="rId4"/>
-    <p:sldId id="259" r:id="rId5"/>
-    <p:sldId id="261" r:id="rId6"/>
-    <p:sldId id="260" r:id="rId7"/>
+    <p:sldId id="258" r:id="rId2"/>
+    <p:sldId id="257" r:id="rId3"/>
+    <p:sldId id="259" r:id="rId4"/>
+    <p:sldId id="261" r:id="rId5"/>
+    <p:sldId id="260" r:id="rId6"/>
   </p:sldIdLst>
   <p:sldSz cx="12192000" cy="6858000"/>
   <p:notesSz cx="6858000" cy="9144000"/>
@@ -2992,74 +2991,6 @@
       </p:grpSpPr>
       <p:sp>
         <p:nvSpPr>
-          <p:cNvPr id="2" name="Title 1"/>
-          <p:cNvSpPr>
-            <a:spLocks noGrp="1"/>
-          </p:cNvSpPr>
-          <p:nvPr>
-            <p:ph type="ctrTitle"/>
-          </p:nvPr>
-        </p:nvSpPr>
-        <p:spPr/>
-        <p:txBody>
-          <a:bodyPr/>
-          <a:lstStyle/>
-          <a:p>
-            <a:endParaRPr lang="en-US"/>
-          </a:p>
-        </p:txBody>
-      </p:sp>
-      <p:sp>
-        <p:nvSpPr>
-          <p:cNvPr id="3" name="Subtitle 2"/>
-          <p:cNvSpPr>
-            <a:spLocks noGrp="1"/>
-          </p:cNvSpPr>
-          <p:nvPr>
-            <p:ph type="subTitle" idx="1"/>
-          </p:nvPr>
-        </p:nvSpPr>
-        <p:spPr/>
-        <p:txBody>
-          <a:bodyPr/>
-          <a:lstStyle/>
-          <a:p>
-            <a:endParaRPr lang="en-US"/>
-          </a:p>
-        </p:txBody>
-      </p:sp>
-    </p:spTree>
-    <p:extLst>
-      <p:ext uri="{BB962C8B-B14F-4D97-AF65-F5344CB8AC3E}">
-        <p14:creationId xmlns:p14="http://schemas.microsoft.com/office/powerpoint/2010/main" val="109857222"/>
-      </p:ext>
-    </p:extLst>
-  </p:cSld>
-  <p:clrMapOvr>
-    <a:masterClrMapping/>
-  </p:clrMapOvr>
-</p:sld>
-</file>
-
-<file path=ppt/slides/slide2.xml><?xml version="1.0" encoding="utf-8"?>
-<p:sld xmlns:a="http://schemas.openxmlformats.org/drawingml/2006/main" xmlns:r="http://schemas.openxmlformats.org/officeDocument/2006/relationships" xmlns:p="http://schemas.openxmlformats.org/presentationml/2006/main">
-  <p:cSld>
-    <p:spTree>
-      <p:nvGrpSpPr>
-        <p:cNvPr id="1" name=""/>
-        <p:cNvGrpSpPr/>
-        <p:nvPr/>
-      </p:nvGrpSpPr>
-      <p:grpSpPr>
-        <a:xfrm>
-          <a:off x="0" y="0"/>
-          <a:ext cx="0" cy="0"/>
-          <a:chOff x="0" y="0"/>
-          <a:chExt cx="0" cy="0"/>
-        </a:xfrm>
-      </p:grpSpPr>
-      <p:sp>
-        <p:nvSpPr>
           <p:cNvPr id="2" name="Title 1">
             <a:extLst>
               <a:ext uri="{FF2B5EF4-FFF2-40B4-BE49-F238E27FC236}">
@@ -3127,7 +3058,7 @@
 </p:sld>
 </file>
 
-<file path=ppt/slides/slide3.xml><?xml version="1.0" encoding="utf-8"?>
+<file path=ppt/slides/slide2.xml><?xml version="1.0" encoding="utf-8"?>
 <p:sld xmlns:a="http://schemas.openxmlformats.org/drawingml/2006/main" xmlns:r="http://schemas.openxmlformats.org/officeDocument/2006/relationships" xmlns:p="http://schemas.openxmlformats.org/presentationml/2006/main">
   <p:cSld>
     <p:spTree>
@@ -3865,7 +3796,7 @@
 </p:sld>
 </file>
 
-<file path=ppt/slides/slide4.xml><?xml version="1.0" encoding="utf-8"?>
+<file path=ppt/slides/slide3.xml><?xml version="1.0" encoding="utf-8"?>
 <p:sld xmlns:a="http://schemas.openxmlformats.org/drawingml/2006/main" xmlns:r="http://schemas.openxmlformats.org/officeDocument/2006/relationships" xmlns:p="http://schemas.openxmlformats.org/presentationml/2006/main">
   <p:cSld>
     <p:spTree>
@@ -5013,7 +4944,7 @@
 </p:sld>
 </file>
 
-<file path=ppt/slides/slide5.xml><?xml version="1.0" encoding="utf-8"?>
+<file path=ppt/slides/slide4.xml><?xml version="1.0" encoding="utf-8"?>
 <p:sld xmlns:a="http://schemas.openxmlformats.org/drawingml/2006/main" xmlns:r="http://schemas.openxmlformats.org/officeDocument/2006/relationships" xmlns:p="http://schemas.openxmlformats.org/presentationml/2006/main">
   <p:cSld>
     <p:spTree>
@@ -5433,7 +5364,7 @@
 </p:sld>
 </file>
 
-<file path=ppt/slides/slide6.xml><?xml version="1.0" encoding="utf-8"?>
+<file path=ppt/slides/slide5.xml><?xml version="1.0" encoding="utf-8"?>
 <p:sld xmlns:a="http://schemas.openxmlformats.org/drawingml/2006/main" xmlns:r="http://schemas.openxmlformats.org/officeDocument/2006/relationships" xmlns:p="http://schemas.openxmlformats.org/presentationml/2006/main">
   <p:cSld>
     <p:bg>
